--- a/Report_Stage/Report slides.pptx
+++ b/Report_Stage/Report slides.pptx
@@ -17849,7 +17849,7 @@
             <a:pPr algn="just"/>
             <a:r>
               <a:rPr lang="en-US" dirty="0"/>
-              <a:t>In the analysis of all answers of question 2, there are 11 types of error occurred:</a:t>
+              <a:t>In the analysis of all answers of question 2, there are 10 types of error occurred:</a:t>
             </a:r>
           </a:p>
           <a:p>
